--- a/S4/02. COA/Notes & PPTs/Module 6.2 - Microprogramming - Horizontal & Vertical Micro-instructions.pptx
+++ b/S4/02. COA/Notes & PPTs/Module 6.2 - Microprogramming - Horizontal & Vertical Micro-instructions.pptx
@@ -10,6 +10,7 @@
     <p:sldId id="259" r:id="rId4"/>
     <p:sldId id="260" r:id="rId5"/>
     <p:sldId id="261" r:id="rId6"/>
+    <p:sldId id="262" r:id="rId7"/>
   </p:sldIdLst>
   <p:sldSz cx="9144000" cy="6858000" type="screen4x3"/>
   <p:notesSz cx="6858000" cy="9144000"/>
@@ -108,6 +109,22 @@
       </a:defRPr>
     </a:lvl9pPr>
   </p:defaultTextStyle>
+  <p:extLst>
+    <p:ext uri="{EFAFB233-063F-42B5-8137-9DF3F51BA10A}">
+      <p15:sldGuideLst xmlns:p15="http://schemas.microsoft.com/office/powerpoint/2012/main">
+        <p15:guide id="1" orient="horz" pos="2160">
+          <p15:clr>
+            <a:srgbClr val="A4A3A4"/>
+          </p15:clr>
+        </p15:guide>
+        <p15:guide id="2" pos="2880">
+          <p15:clr>
+            <a:srgbClr val="A4A3A4"/>
+          </p15:clr>
+        </p15:guide>
+      </p15:sldGuideLst>
+    </p:ext>
+  </p:extLst>
 </p:presentation>
 </file>
 
@@ -149,10 +166,9 @@
           <a:lstStyle/>
           <a:p>
             <a:r>
-              <a:rPr lang="en-US" smtClean="0"/>
+              <a:rPr lang="en-US"/>
               <a:t>Click to edit Master title style</a:t>
             </a:r>
-            <a:endParaRPr lang="en-US"/>
           </a:p>
         </p:txBody>
       </p:sp>
@@ -268,10 +284,9 @@
           </a:lstStyle>
           <a:p>
             <a:r>
-              <a:rPr lang="en-US" smtClean="0"/>
+              <a:rPr lang="en-US"/>
               <a:t>Click to edit Master subtitle style</a:t>
             </a:r>
-            <a:endParaRPr lang="en-US"/>
           </a:p>
         </p:txBody>
       </p:sp>
@@ -292,7 +307,7 @@
           <a:p>
             <a:fld id="{B921785F-2DBD-4C4E-B225-E0A13A23D198}" type="datetimeFigureOut">
               <a:rPr lang="en-US" smtClean="0"/>
-              <a:t>5/10/2019</a:t>
+              <a:t>5/12/2019</a:t>
             </a:fld>
             <a:endParaRPr lang="en-US"/>
           </a:p>
@@ -381,10 +396,9 @@
           <a:lstStyle/>
           <a:p>
             <a:r>
-              <a:rPr lang="en-US" smtClean="0"/>
+              <a:rPr lang="en-US"/>
               <a:t>Click to edit Master title style</a:t>
             </a:r>
-            <a:endParaRPr lang="en-US"/>
           </a:p>
         </p:txBody>
       </p:sp>
@@ -405,38 +419,37 @@
           <a:p>
             <a:pPr lvl="0"/>
             <a:r>
-              <a:rPr lang="en-US" smtClean="0"/>
+              <a:rPr lang="en-US"/>
               <a:t>Click to edit Master text styles</a:t>
             </a:r>
           </a:p>
           <a:p>
             <a:pPr lvl="1"/>
             <a:r>
-              <a:rPr lang="en-US" smtClean="0"/>
+              <a:rPr lang="en-US"/>
               <a:t>Second level</a:t>
             </a:r>
           </a:p>
           <a:p>
             <a:pPr lvl="2"/>
             <a:r>
-              <a:rPr lang="en-US" smtClean="0"/>
+              <a:rPr lang="en-US"/>
               <a:t>Third level</a:t>
             </a:r>
           </a:p>
           <a:p>
             <a:pPr lvl="3"/>
             <a:r>
-              <a:rPr lang="en-US" smtClean="0"/>
+              <a:rPr lang="en-US"/>
               <a:t>Fourth level</a:t>
             </a:r>
           </a:p>
           <a:p>
             <a:pPr lvl="4"/>
             <a:r>
-              <a:rPr lang="en-US" smtClean="0"/>
+              <a:rPr lang="en-US"/>
               <a:t>Fifth level</a:t>
             </a:r>
-            <a:endParaRPr lang="en-US"/>
           </a:p>
         </p:txBody>
       </p:sp>
@@ -457,7 +470,7 @@
           <a:p>
             <a:fld id="{B921785F-2DBD-4C4E-B225-E0A13A23D198}" type="datetimeFigureOut">
               <a:rPr lang="en-US" smtClean="0"/>
-              <a:t>5/10/2019</a:t>
+              <a:t>5/12/2019</a:t>
             </a:fld>
             <a:endParaRPr lang="en-US"/>
           </a:p>
@@ -551,10 +564,9 @@
           <a:lstStyle/>
           <a:p>
             <a:r>
-              <a:rPr lang="en-US" smtClean="0"/>
+              <a:rPr lang="en-US"/>
               <a:t>Click to edit Master title style</a:t>
             </a:r>
-            <a:endParaRPr lang="en-US"/>
           </a:p>
         </p:txBody>
       </p:sp>
@@ -580,38 +592,37 @@
           <a:p>
             <a:pPr lvl="0"/>
             <a:r>
-              <a:rPr lang="en-US" smtClean="0"/>
+              <a:rPr lang="en-US"/>
               <a:t>Click to edit Master text styles</a:t>
             </a:r>
           </a:p>
           <a:p>
             <a:pPr lvl="1"/>
             <a:r>
-              <a:rPr lang="en-US" smtClean="0"/>
+              <a:rPr lang="en-US"/>
               <a:t>Second level</a:t>
             </a:r>
           </a:p>
           <a:p>
             <a:pPr lvl="2"/>
             <a:r>
-              <a:rPr lang="en-US" smtClean="0"/>
+              <a:rPr lang="en-US"/>
               <a:t>Third level</a:t>
             </a:r>
           </a:p>
           <a:p>
             <a:pPr lvl="3"/>
             <a:r>
-              <a:rPr lang="en-US" smtClean="0"/>
+              <a:rPr lang="en-US"/>
               <a:t>Fourth level</a:t>
             </a:r>
           </a:p>
           <a:p>
             <a:pPr lvl="4"/>
             <a:r>
-              <a:rPr lang="en-US" smtClean="0"/>
+              <a:rPr lang="en-US"/>
               <a:t>Fifth level</a:t>
             </a:r>
-            <a:endParaRPr lang="en-US"/>
           </a:p>
         </p:txBody>
       </p:sp>
@@ -632,7 +643,7 @@
           <a:p>
             <a:fld id="{B921785F-2DBD-4C4E-B225-E0A13A23D198}" type="datetimeFigureOut">
               <a:rPr lang="en-US" smtClean="0"/>
-              <a:t>5/10/2019</a:t>
+              <a:t>5/12/2019</a:t>
             </a:fld>
             <a:endParaRPr lang="en-US"/>
           </a:p>
@@ -721,10 +732,9 @@
           <a:lstStyle/>
           <a:p>
             <a:r>
-              <a:rPr lang="en-US" smtClean="0"/>
+              <a:rPr lang="en-US"/>
               <a:t>Click to edit Master title style</a:t>
             </a:r>
-            <a:endParaRPr lang="en-US"/>
           </a:p>
         </p:txBody>
       </p:sp>
@@ -745,38 +755,37 @@
           <a:p>
             <a:pPr lvl="0"/>
             <a:r>
-              <a:rPr lang="en-US" smtClean="0"/>
+              <a:rPr lang="en-US"/>
               <a:t>Click to edit Master text styles</a:t>
             </a:r>
           </a:p>
           <a:p>
             <a:pPr lvl="1"/>
             <a:r>
-              <a:rPr lang="en-US" smtClean="0"/>
+              <a:rPr lang="en-US"/>
               <a:t>Second level</a:t>
             </a:r>
           </a:p>
           <a:p>
             <a:pPr lvl="2"/>
             <a:r>
-              <a:rPr lang="en-US" smtClean="0"/>
+              <a:rPr lang="en-US"/>
               <a:t>Third level</a:t>
             </a:r>
           </a:p>
           <a:p>
             <a:pPr lvl="3"/>
             <a:r>
-              <a:rPr lang="en-US" smtClean="0"/>
+              <a:rPr lang="en-US"/>
               <a:t>Fourth level</a:t>
             </a:r>
           </a:p>
           <a:p>
             <a:pPr lvl="4"/>
             <a:r>
-              <a:rPr lang="en-US" smtClean="0"/>
+              <a:rPr lang="en-US"/>
               <a:t>Fifth level</a:t>
             </a:r>
-            <a:endParaRPr lang="en-US"/>
           </a:p>
         </p:txBody>
       </p:sp>
@@ -797,7 +806,7 @@
           <a:p>
             <a:fld id="{B921785F-2DBD-4C4E-B225-E0A13A23D198}" type="datetimeFigureOut">
               <a:rPr lang="en-US" smtClean="0"/>
-              <a:t>5/10/2019</a:t>
+              <a:t>5/12/2019</a:t>
             </a:fld>
             <a:endParaRPr lang="en-US"/>
           </a:p>
@@ -895,10 +904,9 @@
           </a:lstStyle>
           <a:p>
             <a:r>
-              <a:rPr lang="en-US" smtClean="0"/>
+              <a:rPr lang="en-US"/>
               <a:t>Click to edit Master title style</a:t>
             </a:r>
-            <a:endParaRPr lang="en-US"/>
           </a:p>
         </p:txBody>
       </p:sp>
@@ -1015,7 +1023,7 @@
           <a:p>
             <a:pPr lvl="0"/>
             <a:r>
-              <a:rPr lang="en-US" smtClean="0"/>
+              <a:rPr lang="en-US"/>
               <a:t>Click to edit Master text styles</a:t>
             </a:r>
           </a:p>
@@ -1038,7 +1046,7 @@
           <a:p>
             <a:fld id="{B921785F-2DBD-4C4E-B225-E0A13A23D198}" type="datetimeFigureOut">
               <a:rPr lang="en-US" smtClean="0"/>
-              <a:t>5/10/2019</a:t>
+              <a:t>5/12/2019</a:t>
             </a:fld>
             <a:endParaRPr lang="en-US"/>
           </a:p>
@@ -1127,10 +1135,9 @@
           <a:lstStyle/>
           <a:p>
             <a:r>
-              <a:rPr lang="en-US" smtClean="0"/>
+              <a:rPr lang="en-US"/>
               <a:t>Click to edit Master title style</a:t>
             </a:r>
-            <a:endParaRPr lang="en-US"/>
           </a:p>
         </p:txBody>
       </p:sp>
@@ -1184,38 +1191,37 @@
           <a:p>
             <a:pPr lvl="0"/>
             <a:r>
-              <a:rPr lang="en-US" smtClean="0"/>
+              <a:rPr lang="en-US"/>
               <a:t>Click to edit Master text styles</a:t>
             </a:r>
           </a:p>
           <a:p>
             <a:pPr lvl="1"/>
             <a:r>
-              <a:rPr lang="en-US" smtClean="0"/>
+              <a:rPr lang="en-US"/>
               <a:t>Second level</a:t>
             </a:r>
           </a:p>
           <a:p>
             <a:pPr lvl="2"/>
             <a:r>
-              <a:rPr lang="en-US" smtClean="0"/>
+              <a:rPr lang="en-US"/>
               <a:t>Third level</a:t>
             </a:r>
           </a:p>
           <a:p>
             <a:pPr lvl="3"/>
             <a:r>
-              <a:rPr lang="en-US" smtClean="0"/>
+              <a:rPr lang="en-US"/>
               <a:t>Fourth level</a:t>
             </a:r>
           </a:p>
           <a:p>
             <a:pPr lvl="4"/>
             <a:r>
-              <a:rPr lang="en-US" smtClean="0"/>
+              <a:rPr lang="en-US"/>
               <a:t>Fifth level</a:t>
             </a:r>
-            <a:endParaRPr lang="en-US"/>
           </a:p>
         </p:txBody>
       </p:sp>
@@ -1269,38 +1275,37 @@
           <a:p>
             <a:pPr lvl="0"/>
             <a:r>
-              <a:rPr lang="en-US" smtClean="0"/>
+              <a:rPr lang="en-US"/>
               <a:t>Click to edit Master text styles</a:t>
             </a:r>
           </a:p>
           <a:p>
             <a:pPr lvl="1"/>
             <a:r>
-              <a:rPr lang="en-US" smtClean="0"/>
+              <a:rPr lang="en-US"/>
               <a:t>Second level</a:t>
             </a:r>
           </a:p>
           <a:p>
             <a:pPr lvl="2"/>
             <a:r>
-              <a:rPr lang="en-US" smtClean="0"/>
+              <a:rPr lang="en-US"/>
               <a:t>Third level</a:t>
             </a:r>
           </a:p>
           <a:p>
             <a:pPr lvl="3"/>
             <a:r>
-              <a:rPr lang="en-US" smtClean="0"/>
+              <a:rPr lang="en-US"/>
               <a:t>Fourth level</a:t>
             </a:r>
           </a:p>
           <a:p>
             <a:pPr lvl="4"/>
             <a:r>
-              <a:rPr lang="en-US" smtClean="0"/>
+              <a:rPr lang="en-US"/>
               <a:t>Fifth level</a:t>
             </a:r>
-            <a:endParaRPr lang="en-US"/>
           </a:p>
         </p:txBody>
       </p:sp>
@@ -1321,7 +1326,7 @@
           <a:p>
             <a:fld id="{B921785F-2DBD-4C4E-B225-E0A13A23D198}" type="datetimeFigureOut">
               <a:rPr lang="en-US" smtClean="0"/>
-              <a:t>5/10/2019</a:t>
+              <a:t>5/12/2019</a:t>
             </a:fld>
             <a:endParaRPr lang="en-US"/>
           </a:p>
@@ -1414,10 +1419,9 @@
           </a:lstStyle>
           <a:p>
             <a:r>
-              <a:rPr lang="en-US" smtClean="0"/>
+              <a:rPr lang="en-US"/>
               <a:t>Click to edit Master title style</a:t>
             </a:r>
-            <a:endParaRPr lang="en-US"/>
           </a:p>
         </p:txBody>
       </p:sp>
@@ -1480,7 +1484,7 @@
           <a:p>
             <a:pPr lvl="0"/>
             <a:r>
-              <a:rPr lang="en-US" smtClean="0"/>
+              <a:rPr lang="en-US"/>
               <a:t>Click to edit Master text styles</a:t>
             </a:r>
           </a:p>
@@ -1536,38 +1540,37 @@
           <a:p>
             <a:pPr lvl="0"/>
             <a:r>
-              <a:rPr lang="en-US" smtClean="0"/>
+              <a:rPr lang="en-US"/>
               <a:t>Click to edit Master text styles</a:t>
             </a:r>
           </a:p>
           <a:p>
             <a:pPr lvl="1"/>
             <a:r>
-              <a:rPr lang="en-US" smtClean="0"/>
+              <a:rPr lang="en-US"/>
               <a:t>Second level</a:t>
             </a:r>
           </a:p>
           <a:p>
             <a:pPr lvl="2"/>
             <a:r>
-              <a:rPr lang="en-US" smtClean="0"/>
+              <a:rPr lang="en-US"/>
               <a:t>Third level</a:t>
             </a:r>
           </a:p>
           <a:p>
             <a:pPr lvl="3"/>
             <a:r>
-              <a:rPr lang="en-US" smtClean="0"/>
+              <a:rPr lang="en-US"/>
               <a:t>Fourth level</a:t>
             </a:r>
           </a:p>
           <a:p>
             <a:pPr lvl="4"/>
             <a:r>
-              <a:rPr lang="en-US" smtClean="0"/>
+              <a:rPr lang="en-US"/>
               <a:t>Fifth level</a:t>
             </a:r>
-            <a:endParaRPr lang="en-US"/>
           </a:p>
         </p:txBody>
       </p:sp>
@@ -1630,7 +1633,7 @@
           <a:p>
             <a:pPr lvl="0"/>
             <a:r>
-              <a:rPr lang="en-US" smtClean="0"/>
+              <a:rPr lang="en-US"/>
               <a:t>Click to edit Master text styles</a:t>
             </a:r>
           </a:p>
@@ -1686,38 +1689,37 @@
           <a:p>
             <a:pPr lvl="0"/>
             <a:r>
-              <a:rPr lang="en-US" smtClean="0"/>
+              <a:rPr lang="en-US"/>
               <a:t>Click to edit Master text styles</a:t>
             </a:r>
           </a:p>
           <a:p>
             <a:pPr lvl="1"/>
             <a:r>
-              <a:rPr lang="en-US" smtClean="0"/>
+              <a:rPr lang="en-US"/>
               <a:t>Second level</a:t>
             </a:r>
           </a:p>
           <a:p>
             <a:pPr lvl="2"/>
             <a:r>
-              <a:rPr lang="en-US" smtClean="0"/>
+              <a:rPr lang="en-US"/>
               <a:t>Third level</a:t>
             </a:r>
           </a:p>
           <a:p>
             <a:pPr lvl="3"/>
             <a:r>
-              <a:rPr lang="en-US" smtClean="0"/>
+              <a:rPr lang="en-US"/>
               <a:t>Fourth level</a:t>
             </a:r>
           </a:p>
           <a:p>
             <a:pPr lvl="4"/>
             <a:r>
-              <a:rPr lang="en-US" smtClean="0"/>
+              <a:rPr lang="en-US"/>
               <a:t>Fifth level</a:t>
             </a:r>
-            <a:endParaRPr lang="en-US"/>
           </a:p>
         </p:txBody>
       </p:sp>
@@ -1738,7 +1740,7 @@
           <a:p>
             <a:fld id="{B921785F-2DBD-4C4E-B225-E0A13A23D198}" type="datetimeFigureOut">
               <a:rPr lang="en-US" smtClean="0"/>
-              <a:t>5/10/2019</a:t>
+              <a:t>5/12/2019</a:t>
             </a:fld>
             <a:endParaRPr lang="en-US"/>
           </a:p>
@@ -1827,10 +1829,9 @@
           <a:lstStyle/>
           <a:p>
             <a:r>
-              <a:rPr lang="en-US" smtClean="0"/>
+              <a:rPr lang="en-US"/>
               <a:t>Click to edit Master title style</a:t>
             </a:r>
-            <a:endParaRPr lang="en-US"/>
           </a:p>
         </p:txBody>
       </p:sp>
@@ -1851,7 +1852,7 @@
           <a:p>
             <a:fld id="{B921785F-2DBD-4C4E-B225-E0A13A23D198}" type="datetimeFigureOut">
               <a:rPr lang="en-US" smtClean="0"/>
-              <a:t>5/10/2019</a:t>
+              <a:t>5/12/2019</a:t>
             </a:fld>
             <a:endParaRPr lang="en-US"/>
           </a:p>
@@ -1941,7 +1942,7 @@
           <a:p>
             <a:fld id="{B921785F-2DBD-4C4E-B225-E0A13A23D198}" type="datetimeFigureOut">
               <a:rPr lang="en-US" smtClean="0"/>
-              <a:t>5/10/2019</a:t>
+              <a:t>5/12/2019</a:t>
             </a:fld>
             <a:endParaRPr lang="en-US"/>
           </a:p>
@@ -2039,10 +2040,9 @@
           </a:lstStyle>
           <a:p>
             <a:r>
-              <a:rPr lang="en-US" smtClean="0"/>
+              <a:rPr lang="en-US"/>
               <a:t>Click to edit Master title style</a:t>
             </a:r>
-            <a:endParaRPr lang="en-US"/>
           </a:p>
         </p:txBody>
       </p:sp>
@@ -2096,38 +2096,37 @@
           <a:p>
             <a:pPr lvl="0"/>
             <a:r>
-              <a:rPr lang="en-US" smtClean="0"/>
+              <a:rPr lang="en-US"/>
               <a:t>Click to edit Master text styles</a:t>
             </a:r>
           </a:p>
           <a:p>
             <a:pPr lvl="1"/>
             <a:r>
-              <a:rPr lang="en-US" smtClean="0"/>
+              <a:rPr lang="en-US"/>
               <a:t>Second level</a:t>
             </a:r>
           </a:p>
           <a:p>
             <a:pPr lvl="2"/>
             <a:r>
-              <a:rPr lang="en-US" smtClean="0"/>
+              <a:rPr lang="en-US"/>
               <a:t>Third level</a:t>
             </a:r>
           </a:p>
           <a:p>
             <a:pPr lvl="3"/>
             <a:r>
-              <a:rPr lang="en-US" smtClean="0"/>
+              <a:rPr lang="en-US"/>
               <a:t>Fourth level</a:t>
             </a:r>
           </a:p>
           <a:p>
             <a:pPr lvl="4"/>
             <a:r>
-              <a:rPr lang="en-US" smtClean="0"/>
+              <a:rPr lang="en-US"/>
               <a:t>Fifth level</a:t>
             </a:r>
-            <a:endParaRPr lang="en-US"/>
           </a:p>
         </p:txBody>
       </p:sp>
@@ -2190,7 +2189,7 @@
           <a:p>
             <a:pPr lvl="0"/>
             <a:r>
-              <a:rPr lang="en-US" smtClean="0"/>
+              <a:rPr lang="en-US"/>
               <a:t>Click to edit Master text styles</a:t>
             </a:r>
           </a:p>
@@ -2213,7 +2212,7 @@
           <a:p>
             <a:fld id="{B921785F-2DBD-4C4E-B225-E0A13A23D198}" type="datetimeFigureOut">
               <a:rPr lang="en-US" smtClean="0"/>
-              <a:t>5/10/2019</a:t>
+              <a:t>5/12/2019</a:t>
             </a:fld>
             <a:endParaRPr lang="en-US"/>
           </a:p>
@@ -2311,10 +2310,9 @@
           </a:lstStyle>
           <a:p>
             <a:r>
-              <a:rPr lang="en-US" smtClean="0"/>
+              <a:rPr lang="en-US"/>
               <a:t>Click to edit Master title style</a:t>
             </a:r>
-            <a:endParaRPr lang="en-US"/>
           </a:p>
         </p:txBody>
       </p:sp>
@@ -2438,7 +2436,7 @@
           <a:p>
             <a:pPr lvl="0"/>
             <a:r>
-              <a:rPr lang="en-US" smtClean="0"/>
+              <a:rPr lang="en-US"/>
               <a:t>Click to edit Master text styles</a:t>
             </a:r>
           </a:p>
@@ -2461,7 +2459,7 @@
           <a:p>
             <a:fld id="{B921785F-2DBD-4C4E-B225-E0A13A23D198}" type="datetimeFigureOut">
               <a:rPr lang="en-US" smtClean="0"/>
-              <a:t>5/10/2019</a:t>
+              <a:t>5/12/2019</a:t>
             </a:fld>
             <a:endParaRPr lang="en-US"/>
           </a:p>
@@ -2565,10 +2563,9 @@
           <a:lstStyle/>
           <a:p>
             <a:r>
-              <a:rPr lang="en-US" smtClean="0"/>
+              <a:rPr lang="en-US"/>
               <a:t>Click to edit Master title style</a:t>
             </a:r>
-            <a:endParaRPr lang="en-US"/>
           </a:p>
         </p:txBody>
       </p:sp>
@@ -2599,38 +2596,37 @@
           <a:p>
             <a:pPr lvl="0"/>
             <a:r>
-              <a:rPr lang="en-US" smtClean="0"/>
+              <a:rPr lang="en-US"/>
               <a:t>Click to edit Master text styles</a:t>
             </a:r>
           </a:p>
           <a:p>
             <a:pPr lvl="1"/>
             <a:r>
-              <a:rPr lang="en-US" smtClean="0"/>
+              <a:rPr lang="en-US"/>
               <a:t>Second level</a:t>
             </a:r>
           </a:p>
           <a:p>
             <a:pPr lvl="2"/>
             <a:r>
-              <a:rPr lang="en-US" smtClean="0"/>
+              <a:rPr lang="en-US"/>
               <a:t>Third level</a:t>
             </a:r>
           </a:p>
           <a:p>
             <a:pPr lvl="3"/>
             <a:r>
-              <a:rPr lang="en-US" smtClean="0"/>
+              <a:rPr lang="en-US"/>
               <a:t>Fourth level</a:t>
             </a:r>
           </a:p>
           <a:p>
             <a:pPr lvl="4"/>
             <a:r>
-              <a:rPr lang="en-US" smtClean="0"/>
+              <a:rPr lang="en-US"/>
               <a:t>Fifth level</a:t>
             </a:r>
-            <a:endParaRPr lang="en-US"/>
           </a:p>
         </p:txBody>
       </p:sp>
@@ -2669,7 +2665,7 @@
           <a:p>
             <a:fld id="{B921785F-2DBD-4C4E-B225-E0A13A23D198}" type="datetimeFigureOut">
               <a:rPr lang="en-US" smtClean="0"/>
-              <a:t>5/10/2019</a:t>
+              <a:t>5/12/2019</a:t>
             </a:fld>
             <a:endParaRPr lang="en-US"/>
           </a:p>
@@ -3055,7 +3051,7 @@
           <a:lstStyle/>
           <a:p>
             <a:r>
-              <a:rPr lang="en-US" dirty="0" err="1" smtClean="0"/>
+              <a:rPr lang="en-US" dirty="0" err="1"/>
               <a:t>MicroProgramming</a:t>
             </a:r>
             <a:endParaRPr lang="en-US" dirty="0"/>
@@ -3430,7 +3426,9 @@
           <a:ln/>
         </p:spPr>
         <p:txBody>
-          <a:bodyPr lIns="90487" tIns="44450" rIns="90487" bIns="44450"/>
+          <a:bodyPr lIns="90487" tIns="44450" rIns="90487" bIns="44450">
+            <a:normAutofit fontScale="90000"/>
+          </a:bodyPr>
           <a:lstStyle/>
           <a:p>
             <a:r>
@@ -3514,7 +3512,9 @@
           <a:ln/>
         </p:spPr>
         <p:txBody>
-          <a:bodyPr lIns="90487" tIns="44450" rIns="90487" bIns="44450"/>
+          <a:bodyPr lIns="90487" tIns="44450" rIns="90487" bIns="44450">
+            <a:normAutofit fontScale="90000"/>
+          </a:bodyPr>
           <a:lstStyle/>
           <a:p>
             <a:r>
@@ -3547,87 +3547,29 @@
           <a:lstStyle/>
           <a:p>
             <a:r>
-              <a:rPr lang="en-US"/>
+              <a:rPr lang="en-US" dirty="0"/>
               <a:t>Some control signals cannot possibly be true at the same time</a:t>
             </a:r>
           </a:p>
           <a:p>
             <a:pPr lvl="1"/>
             <a:r>
-              <a:rPr lang="en-US"/>
+              <a:rPr lang="en-US" dirty="0"/>
               <a:t>One and only one ALU function can be selected</a:t>
             </a:r>
           </a:p>
           <a:p>
             <a:pPr lvl="1"/>
             <a:r>
-              <a:rPr lang="en-US"/>
+              <a:rPr lang="en-US" dirty="0"/>
               <a:t>Only one register out gate can be true with a single bus</a:t>
             </a:r>
           </a:p>
           <a:p>
             <a:pPr lvl="1"/>
             <a:r>
-              <a:rPr lang="en-US"/>
+              <a:rPr lang="en-US" dirty="0"/>
               <a:t>Memory read and write cannot be true at the same step</a:t>
-            </a:r>
-          </a:p>
-          <a:p>
-            <a:r>
-              <a:rPr lang="en-US"/>
-              <a:t>A set of m such signals can be encoded using log</a:t>
-            </a:r>
-            <a:r>
-              <a:rPr lang="en-US" baseline="-25000"/>
-              <a:t>2</a:t>
-            </a:r>
-            <a:r>
-              <a:rPr lang="en-US"/>
-              <a:t>m bits (log</a:t>
-            </a:r>
-            <a:r>
-              <a:rPr lang="en-US" baseline="-25000"/>
-              <a:t>2</a:t>
-            </a:r>
-            <a:r>
-              <a:rPr lang="en-US"/>
-              <a:t>(m+1) to allow for no signal true)</a:t>
-            </a:r>
-          </a:p>
-          <a:p>
-            <a:r>
-              <a:rPr lang="en-US"/>
-              <a:t>The raw control signals can then be generated by a k to 2</a:t>
-            </a:r>
-            <a:r>
-              <a:rPr lang="en-US" baseline="30000"/>
-              <a:t>k</a:t>
-            </a:r>
-            <a:r>
-              <a:rPr lang="en-US"/>
-              <a:t> decoder, where 2</a:t>
-            </a:r>
-            <a:r>
-              <a:rPr lang="en-US" baseline="30000"/>
-              <a:t>k</a:t>
-            </a:r>
-            <a:r>
-              <a:rPr lang="en-US"/>
-              <a:t> ≥ m (or 2</a:t>
-            </a:r>
-            <a:r>
-              <a:rPr lang="en-US" baseline="30000"/>
-              <a:t>k</a:t>
-            </a:r>
-            <a:r>
-              <a:rPr lang="en-US"/>
-              <a:t> ≥ m+1)</a:t>
-            </a:r>
-          </a:p>
-          <a:p>
-            <a:r>
-              <a:rPr lang="en-US"/>
-              <a:t>This is a compromise between horizontal and vertical encoding</a:t>
             </a:r>
           </a:p>
         </p:txBody>
@@ -3638,6 +3580,121 @@
     <a:masterClrMapping/>
   </p:clrMapOvr>
   <p:transition/>
+</p:sld>
+</file>
+
+<file path=ppt/slides/slide6.xml><?xml version="1.0" encoding="utf-8"?>
+<p:sld xmlns:a="http://schemas.openxmlformats.org/drawingml/2006/main" xmlns:r="http://schemas.openxmlformats.org/officeDocument/2006/relationships" xmlns:p="http://schemas.openxmlformats.org/presentationml/2006/main">
+  <p:cSld>
+    <p:spTree>
+      <p:nvGrpSpPr>
+        <p:cNvPr id="1" name=""/>
+        <p:cNvGrpSpPr/>
+        <p:nvPr/>
+      </p:nvGrpSpPr>
+      <p:grpSpPr>
+        <a:xfrm>
+          <a:off x="0" y="0"/>
+          <a:ext cx="0" cy="0"/>
+          <a:chOff x="0" y="0"/>
+          <a:chExt cx="0" cy="0"/>
+        </a:xfrm>
+      </p:grpSpPr>
+      <p:sp>
+        <p:nvSpPr>
+          <p:cNvPr id="3" name="Content Placeholder 2">
+            <a:extLst>
+              <a:ext uri="{FF2B5EF4-FFF2-40B4-BE49-F238E27FC236}">
+                <a16:creationId xmlns:a16="http://schemas.microsoft.com/office/drawing/2014/main" id="{093DD498-54F6-46BC-AAC0-89F7E2C13133}"/>
+              </a:ext>
+            </a:extLst>
+          </p:cNvPr>
+          <p:cNvSpPr>
+            <a:spLocks noGrp="1"/>
+          </p:cNvSpPr>
+          <p:nvPr>
+            <p:ph idx="1"/>
+          </p:nvPr>
+        </p:nvSpPr>
+        <p:spPr/>
+        <p:txBody>
+          <a:bodyPr/>
+          <a:lstStyle/>
+          <a:p>
+            <a:r>
+              <a:rPr lang="en-US" dirty="0"/>
+              <a:t>A set of m such signals can be encoded using log</a:t>
+            </a:r>
+            <a:r>
+              <a:rPr lang="en-US" baseline="-25000" dirty="0"/>
+              <a:t>2</a:t>
+            </a:r>
+            <a:r>
+              <a:rPr lang="en-US" dirty="0"/>
+              <a:t>m bits (log</a:t>
+            </a:r>
+            <a:r>
+              <a:rPr lang="en-US" baseline="-25000" dirty="0"/>
+              <a:t>2</a:t>
+            </a:r>
+            <a:r>
+              <a:rPr lang="en-US" dirty="0"/>
+              <a:t>(m+1) to allow for no signal true)</a:t>
+            </a:r>
+          </a:p>
+          <a:p>
+            <a:r>
+              <a:rPr lang="en-US" dirty="0"/>
+              <a:t>The raw control signals can then be generated by a k to 2</a:t>
+            </a:r>
+            <a:r>
+              <a:rPr lang="en-US" baseline="30000" dirty="0"/>
+              <a:t>k</a:t>
+            </a:r>
+            <a:r>
+              <a:rPr lang="en-US" dirty="0"/>
+              <a:t> decoder, where 2</a:t>
+            </a:r>
+            <a:r>
+              <a:rPr lang="en-US" baseline="30000" dirty="0"/>
+              <a:t>k</a:t>
+            </a:r>
+            <a:r>
+              <a:rPr lang="en-US" dirty="0"/>
+              <a:t> ≥ m (or 2</a:t>
+            </a:r>
+            <a:r>
+              <a:rPr lang="en-US" baseline="30000" dirty="0"/>
+              <a:t>k</a:t>
+            </a:r>
+            <a:r>
+              <a:rPr lang="en-US" dirty="0"/>
+              <a:t> ≥ m+1)</a:t>
+            </a:r>
+          </a:p>
+          <a:p>
+            <a:r>
+              <a:rPr lang="en-US" dirty="0"/>
+              <a:t>This is a compromise between horizontal and vertical encoding</a:t>
+            </a:r>
+            <a:r>
+              <a:rPr lang="en-IN" dirty="0"/>
+              <a:t>. </a:t>
+            </a:r>
+            <a:endParaRPr lang="en-US" dirty="0"/>
+          </a:p>
+        </p:txBody>
+      </p:sp>
+    </p:spTree>
+    <p:extLst>
+      <p:ext uri="{BB962C8B-B14F-4D97-AF65-F5344CB8AC3E}">
+        <p14:creationId xmlns:p14="http://schemas.microsoft.com/office/powerpoint/2010/main" val="3271687488"/>
+      </p:ext>
+    </p:extLst>
+  </p:cSld>
+  <p:clrMapOvr>
+    <a:masterClrMapping/>
+  </p:clrMapOvr>
 </p:sld>
 </file>
 
